--- a/DentalSurgeryApp.pptx
+++ b/DentalSurgeryApp.pptx
@@ -6,19 +6,20 @@
   </p:sldMasterIdLst>
   <p:sldIdLst>
     <p:sldId id="256" r:id="rId2"/>
-    <p:sldId id="257" r:id="rId3"/>
-    <p:sldId id="260" r:id="rId4"/>
-    <p:sldId id="259" r:id="rId5"/>
-    <p:sldId id="261" r:id="rId6"/>
-    <p:sldId id="262" r:id="rId7"/>
-    <p:sldId id="263" r:id="rId8"/>
-    <p:sldId id="264" r:id="rId9"/>
-    <p:sldId id="265" r:id="rId10"/>
-    <p:sldId id="266" r:id="rId11"/>
-    <p:sldId id="267" r:id="rId12"/>
-    <p:sldId id="268" r:id="rId13"/>
-    <p:sldId id="269" r:id="rId14"/>
-    <p:sldId id="270" r:id="rId15"/>
+    <p:sldId id="271" r:id="rId3"/>
+    <p:sldId id="257" r:id="rId4"/>
+    <p:sldId id="260" r:id="rId5"/>
+    <p:sldId id="259" r:id="rId6"/>
+    <p:sldId id="261" r:id="rId7"/>
+    <p:sldId id="262" r:id="rId8"/>
+    <p:sldId id="263" r:id="rId9"/>
+    <p:sldId id="264" r:id="rId10"/>
+    <p:sldId id="265" r:id="rId11"/>
+    <p:sldId id="270" r:id="rId12"/>
+    <p:sldId id="269" r:id="rId13"/>
+    <p:sldId id="266" r:id="rId14"/>
+    <p:sldId id="267" r:id="rId15"/>
+    <p:sldId id="268" r:id="rId16"/>
   </p:sldIdLst>
   <p:sldSz cx="12192000" cy="6858000"/>
   <p:notesSz cx="6858000" cy="9144000"/>
@@ -117,6 +118,11 @@
       </a:defRPr>
     </a:lvl9pPr>
   </p:defaultTextStyle>
+  <p:extLst>
+    <p:ext uri="{EFAFB233-063F-42B5-8137-9DF3F51BA10A}">
+      <p15:sldGuideLst xmlns:p15="http://schemas.microsoft.com/office/powerpoint/2012/main"/>
+    </p:ext>
+  </p:extLst>
 </p:presentation>
 </file>
 
@@ -4396,7 +4402,7 @@
           <a:p>
             <a:fld id="{48A87A34-81AB-432B-8DAE-1953F412C126}" type="datetimeFigureOut">
               <a:rPr lang="en-US" dirty="0"/>
-              <a:t>10/22/2025</a:t>
+              <a:t>10/23/2025</a:t>
             </a:fld>
             <a:endParaRPr lang="en-US" dirty="0"/>
           </a:p>
@@ -4658,7 +4664,7 @@
           <a:p>
             <a:fld id="{48A87A34-81AB-432B-8DAE-1953F412C126}" type="datetimeFigureOut">
               <a:rPr lang="en-US" dirty="0"/>
-              <a:t>10/22/2025</a:t>
+              <a:t>10/23/2025</a:t>
             </a:fld>
             <a:endParaRPr lang="en-US" dirty="0"/>
           </a:p>
@@ -4849,7 +4855,7 @@
           <a:p>
             <a:fld id="{48A87A34-81AB-432B-8DAE-1953F412C126}" type="datetimeFigureOut">
               <a:rPr lang="en-US" dirty="0"/>
-              <a:t>10/22/2025</a:t>
+              <a:t>10/23/2025</a:t>
             </a:fld>
             <a:endParaRPr lang="en-US" dirty="0"/>
           </a:p>
@@ -5107,7 +5113,7 @@
           <a:p>
             <a:fld id="{48A87A34-81AB-432B-8DAE-1953F412C126}" type="datetimeFigureOut">
               <a:rPr lang="en-US" dirty="0"/>
-              <a:t>10/22/2025</a:t>
+              <a:t>10/23/2025</a:t>
             </a:fld>
             <a:endParaRPr lang="en-US" dirty="0"/>
           </a:p>
@@ -5536,7 +5542,7 @@
           <a:p>
             <a:fld id="{48A87A34-81AB-432B-8DAE-1953F412C126}" type="datetimeFigureOut">
               <a:rPr lang="en-US" dirty="0"/>
-              <a:t>10/22/2025</a:t>
+              <a:t>10/23/2025</a:t>
             </a:fld>
             <a:endParaRPr lang="en-US" dirty="0"/>
           </a:p>
@@ -6077,7 +6083,7 @@
           <a:p>
             <a:fld id="{48A87A34-81AB-432B-8DAE-1953F412C126}" type="datetimeFigureOut">
               <a:rPr lang="en-US" dirty="0"/>
-              <a:t>10/22/2025</a:t>
+              <a:t>10/23/2025</a:t>
             </a:fld>
             <a:endParaRPr lang="en-US" dirty="0"/>
           </a:p>
@@ -6792,7 +6798,7 @@
           <a:p>
             <a:fld id="{48A87A34-81AB-432B-8DAE-1953F412C126}" type="datetimeFigureOut">
               <a:rPr lang="en-US" dirty="0"/>
-              <a:t>10/22/2025</a:t>
+              <a:t>10/23/2025</a:t>
             </a:fld>
             <a:endParaRPr lang="en-US" dirty="0"/>
           </a:p>
@@ -6957,7 +6963,7 @@
           <a:p>
             <a:fld id="{48A87A34-81AB-432B-8DAE-1953F412C126}" type="datetimeFigureOut">
               <a:rPr lang="en-US" dirty="0"/>
-              <a:t>10/22/2025</a:t>
+              <a:t>10/23/2025</a:t>
             </a:fld>
             <a:endParaRPr lang="en-US" dirty="0"/>
           </a:p>
@@ -7132,7 +7138,7 @@
           <a:p>
             <a:fld id="{48A87A34-81AB-432B-8DAE-1953F412C126}" type="datetimeFigureOut">
               <a:rPr lang="en-US" dirty="0"/>
-              <a:t>10/22/2025</a:t>
+              <a:t>10/23/2025</a:t>
             </a:fld>
             <a:endParaRPr lang="en-US" dirty="0"/>
           </a:p>
@@ -7297,7 +7303,7 @@
           <a:p>
             <a:fld id="{48A87A34-81AB-432B-8DAE-1953F412C126}" type="datetimeFigureOut">
               <a:rPr lang="en-US" dirty="0"/>
-              <a:t>10/22/2025</a:t>
+              <a:t>10/23/2025</a:t>
             </a:fld>
             <a:endParaRPr lang="en-US" dirty="0"/>
           </a:p>
@@ -7542,7 +7548,7 @@
           <a:p>
             <a:fld id="{48A87A34-81AB-432B-8DAE-1953F412C126}" type="datetimeFigureOut">
               <a:rPr lang="en-US" dirty="0"/>
-              <a:t>10/22/2025</a:t>
+              <a:t>10/23/2025</a:t>
             </a:fld>
             <a:endParaRPr lang="en-US" dirty="0"/>
           </a:p>
@@ -7769,7 +7775,7 @@
           <a:p>
             <a:fld id="{48A87A34-81AB-432B-8DAE-1953F412C126}" type="datetimeFigureOut">
               <a:rPr lang="en-US" dirty="0"/>
-              <a:t>10/22/2025</a:t>
+              <a:t>10/23/2025</a:t>
             </a:fld>
             <a:endParaRPr lang="en-US" dirty="0"/>
           </a:p>
@@ -8145,7 +8151,7 @@
           <a:p>
             <a:fld id="{48A87A34-81AB-432B-8DAE-1953F412C126}" type="datetimeFigureOut">
               <a:rPr lang="en-US" dirty="0"/>
-              <a:t>10/22/2025</a:t>
+              <a:t>10/23/2025</a:t>
             </a:fld>
             <a:endParaRPr lang="en-US" dirty="0"/>
           </a:p>
@@ -8258,7 +8264,7 @@
           <a:p>
             <a:fld id="{48A87A34-81AB-432B-8DAE-1953F412C126}" type="datetimeFigureOut">
               <a:rPr lang="en-US" dirty="0"/>
-              <a:t>10/22/2025</a:t>
+              <a:t>10/23/2025</a:t>
             </a:fld>
             <a:endParaRPr lang="en-US" dirty="0"/>
           </a:p>
@@ -8348,7 +8354,7 @@
           <a:p>
             <a:fld id="{48A87A34-81AB-432B-8DAE-1953F412C126}" type="datetimeFigureOut">
               <a:rPr lang="en-US" dirty="0"/>
-              <a:t>10/22/2025</a:t>
+              <a:t>10/23/2025</a:t>
             </a:fld>
             <a:endParaRPr lang="en-US" dirty="0"/>
           </a:p>
@@ -8592,7 +8598,7 @@
           <a:p>
             <a:fld id="{48A87A34-81AB-432B-8DAE-1953F412C126}" type="datetimeFigureOut">
               <a:rPr lang="en-US" dirty="0"/>
-              <a:t>10/22/2025</a:t>
+              <a:t>10/23/2025</a:t>
             </a:fld>
             <a:endParaRPr lang="en-US" dirty="0"/>
           </a:p>
@@ -8867,7 +8873,7 @@
           <a:p>
             <a:fld id="{48A87A34-81AB-432B-8DAE-1953F412C126}" type="datetimeFigureOut">
               <a:rPr lang="en-US" dirty="0"/>
-              <a:t>10/22/2025</a:t>
+              <a:t>10/23/2025</a:t>
             </a:fld>
             <a:endParaRPr lang="en-US" dirty="0"/>
           </a:p>
@@ -11940,7 +11946,7 @@
             <a:fld id="{48A87A34-81AB-432B-8DAE-1953F412C126}" type="datetimeFigureOut">
               <a:rPr lang="en-US" dirty="0"/>
               <a:pPr/>
-              <a:t>10/22/2025</a:t>
+              <a:t>10/23/2025</a:t>
             </a:fld>
             <a:endParaRPr lang="en-US" dirty="0"/>
           </a:p>
@@ -12454,6 +12460,277 @@
           <p:cNvPr id="2" name="Title 1">
             <a:extLst>
               <a:ext uri="{FF2B5EF4-FFF2-40B4-BE49-F238E27FC236}">
+                <a16:creationId xmlns:a16="http://schemas.microsoft.com/office/drawing/2014/main" id="{D8248C8D-44E0-60DE-DB87-A10A9C4E3A1A}"/>
+              </a:ext>
+            </a:extLst>
+          </p:cNvPr>
+          <p:cNvSpPr>
+            <a:spLocks noGrp="1"/>
+          </p:cNvSpPr>
+          <p:nvPr>
+            <p:ph type="title"/>
+          </p:nvPr>
+        </p:nvSpPr>
+        <p:spPr/>
+        <p:txBody>
+          <a:bodyPr/>
+          <a:lstStyle/>
+          <a:p>
+            <a:r>
+              <a:rPr lang="en-US" dirty="0"/>
+              <a:t>Patient’s DASHBOARD</a:t>
+            </a:r>
+            <a:endParaRPr lang="en-SG" dirty="0"/>
+          </a:p>
+        </p:txBody>
+      </p:sp>
+      <p:pic>
+        <p:nvPicPr>
+          <p:cNvPr id="5" name="Picture 4">
+            <a:extLst>
+              <a:ext uri="{FF2B5EF4-FFF2-40B4-BE49-F238E27FC236}">
+                <a16:creationId xmlns:a16="http://schemas.microsoft.com/office/drawing/2014/main" id="{634595AA-C808-986F-617F-19FDD1B559BA}"/>
+              </a:ext>
+            </a:extLst>
+          </p:cNvPr>
+          <p:cNvPicPr>
+            <a:picLocks noChangeAspect="1"/>
+          </p:cNvPicPr>
+          <p:nvPr/>
+        </p:nvPicPr>
+        <p:blipFill>
+          <a:blip r:embed="rId2"/>
+          <a:stretch>
+            <a:fillRect/>
+          </a:stretch>
+        </p:blipFill>
+        <p:spPr>
+          <a:xfrm>
+            <a:off x="1668422" y="2249487"/>
+            <a:ext cx="8851977" cy="4365991"/>
+          </a:xfrm>
+          <a:prstGeom prst="rect">
+            <a:avLst/>
+          </a:prstGeom>
+        </p:spPr>
+      </p:pic>
+    </p:spTree>
+    <p:extLst>
+      <p:ext uri="{BB962C8B-B14F-4D97-AF65-F5344CB8AC3E}">
+        <p14:creationId xmlns:p14="http://schemas.microsoft.com/office/powerpoint/2010/main" val="1306761867"/>
+      </p:ext>
+    </p:extLst>
+  </p:cSld>
+  <p:clrMapOvr>
+    <a:masterClrMapping/>
+  </p:clrMapOvr>
+</p:sld>
+</file>
+
+<file path=ppt/slides/slide11.xml><?xml version="1.0" encoding="utf-8"?>
+<p:sld xmlns:a="http://schemas.openxmlformats.org/drawingml/2006/main" xmlns:r="http://schemas.openxmlformats.org/officeDocument/2006/relationships" xmlns:p="http://schemas.openxmlformats.org/presentationml/2006/main">
+  <p:cSld>
+    <p:spTree>
+      <p:nvGrpSpPr>
+        <p:cNvPr id="1" name=""/>
+        <p:cNvGrpSpPr/>
+        <p:nvPr/>
+      </p:nvGrpSpPr>
+      <p:grpSpPr>
+        <a:xfrm>
+          <a:off x="0" y="0"/>
+          <a:ext cx="0" cy="0"/>
+          <a:chOff x="0" y="0"/>
+          <a:chExt cx="0" cy="0"/>
+        </a:xfrm>
+      </p:grpSpPr>
+      <p:sp>
+        <p:nvSpPr>
+          <p:cNvPr id="2" name="Title 1">
+            <a:extLst>
+              <a:ext uri="{FF2B5EF4-FFF2-40B4-BE49-F238E27FC236}">
+                <a16:creationId xmlns:a16="http://schemas.microsoft.com/office/drawing/2014/main" id="{92BF2B40-4B1D-8498-230B-DA1D91B2C698}"/>
+              </a:ext>
+            </a:extLst>
+          </p:cNvPr>
+          <p:cNvSpPr>
+            <a:spLocks noGrp="1"/>
+          </p:cNvSpPr>
+          <p:nvPr>
+            <p:ph type="title"/>
+          </p:nvPr>
+        </p:nvSpPr>
+        <p:spPr/>
+        <p:txBody>
+          <a:bodyPr/>
+          <a:lstStyle/>
+          <a:p>
+            <a:r>
+              <a:rPr lang="en-US" dirty="0"/>
+              <a:t>Docker image</a:t>
+            </a:r>
+            <a:endParaRPr lang="en-SG" dirty="0"/>
+          </a:p>
+        </p:txBody>
+      </p:sp>
+      <p:pic>
+        <p:nvPicPr>
+          <p:cNvPr id="5" name="Content Placeholder 4">
+            <a:extLst>
+              <a:ext uri="{FF2B5EF4-FFF2-40B4-BE49-F238E27FC236}">
+                <a16:creationId xmlns:a16="http://schemas.microsoft.com/office/drawing/2014/main" id="{29BBCF24-ADB7-9D46-6AD4-13E16C8FE63F}"/>
+              </a:ext>
+            </a:extLst>
+          </p:cNvPr>
+          <p:cNvPicPr>
+            <a:picLocks noGrp="1" noChangeAspect="1"/>
+          </p:cNvPicPr>
+          <p:nvPr>
+            <p:ph idx="1"/>
+          </p:nvPr>
+        </p:nvPicPr>
+        <p:blipFill>
+          <a:blip r:embed="rId2"/>
+          <a:stretch>
+            <a:fillRect/>
+          </a:stretch>
+        </p:blipFill>
+        <p:spPr>
+          <a:xfrm>
+            <a:off x="1258590" y="1649721"/>
+            <a:ext cx="9291423" cy="4924334"/>
+          </a:xfrm>
+          <a:prstGeom prst="rect">
+            <a:avLst/>
+          </a:prstGeom>
+        </p:spPr>
+      </p:pic>
+    </p:spTree>
+    <p:extLst>
+      <p:ext uri="{BB962C8B-B14F-4D97-AF65-F5344CB8AC3E}">
+        <p14:creationId xmlns:p14="http://schemas.microsoft.com/office/powerpoint/2010/main" val="558856725"/>
+      </p:ext>
+    </p:extLst>
+  </p:cSld>
+  <p:clrMapOvr>
+    <a:masterClrMapping/>
+  </p:clrMapOvr>
+</p:sld>
+</file>
+
+<file path=ppt/slides/slide12.xml><?xml version="1.0" encoding="utf-8"?>
+<p:sld xmlns:a="http://schemas.openxmlformats.org/drawingml/2006/main" xmlns:r="http://schemas.openxmlformats.org/officeDocument/2006/relationships" xmlns:p="http://schemas.openxmlformats.org/presentationml/2006/main">
+  <p:cSld>
+    <p:spTree>
+      <p:nvGrpSpPr>
+        <p:cNvPr id="1" name=""/>
+        <p:cNvGrpSpPr/>
+        <p:nvPr/>
+      </p:nvGrpSpPr>
+      <p:grpSpPr>
+        <a:xfrm>
+          <a:off x="0" y="0"/>
+          <a:ext cx="0" cy="0"/>
+          <a:chOff x="0" y="0"/>
+          <a:chExt cx="0" cy="0"/>
+        </a:xfrm>
+      </p:grpSpPr>
+      <p:sp>
+        <p:nvSpPr>
+          <p:cNvPr id="2" name="Title 1">
+            <a:extLst>
+              <a:ext uri="{FF2B5EF4-FFF2-40B4-BE49-F238E27FC236}">
+                <a16:creationId xmlns:a16="http://schemas.microsoft.com/office/drawing/2014/main" id="{C0E20F7E-7D48-26E7-6BF9-4DE9043EE6E8}"/>
+              </a:ext>
+            </a:extLst>
+          </p:cNvPr>
+          <p:cNvSpPr>
+            <a:spLocks noGrp="1"/>
+          </p:cNvSpPr>
+          <p:nvPr>
+            <p:ph type="title"/>
+          </p:nvPr>
+        </p:nvSpPr>
+        <p:spPr/>
+        <p:txBody>
+          <a:bodyPr/>
+          <a:lstStyle/>
+          <a:p>
+            <a:r>
+              <a:rPr lang="en-US" dirty="0"/>
+              <a:t>Docker container</a:t>
+            </a:r>
+            <a:endParaRPr lang="en-SG" dirty="0"/>
+          </a:p>
+        </p:txBody>
+      </p:sp>
+      <p:pic>
+        <p:nvPicPr>
+          <p:cNvPr id="5" name="Content Placeholder 4">
+            <a:extLst>
+              <a:ext uri="{FF2B5EF4-FFF2-40B4-BE49-F238E27FC236}">
+                <a16:creationId xmlns:a16="http://schemas.microsoft.com/office/drawing/2014/main" id="{E8382DBF-F531-2986-E2D9-A6407CC9B8F6}"/>
+              </a:ext>
+            </a:extLst>
+          </p:cNvPr>
+          <p:cNvPicPr>
+            <a:picLocks noGrp="1" noChangeAspect="1"/>
+          </p:cNvPicPr>
+          <p:nvPr>
+            <p:ph idx="1"/>
+          </p:nvPr>
+        </p:nvPicPr>
+        <p:blipFill>
+          <a:blip r:embed="rId2"/>
+          <a:stretch>
+            <a:fillRect/>
+          </a:stretch>
+        </p:blipFill>
+        <p:spPr>
+          <a:xfrm>
+            <a:off x="1220071" y="1600558"/>
+            <a:ext cx="9536419" cy="5057475"/>
+          </a:xfrm>
+          <a:prstGeom prst="rect">
+            <a:avLst/>
+          </a:prstGeom>
+        </p:spPr>
+      </p:pic>
+    </p:spTree>
+    <p:extLst>
+      <p:ext uri="{BB962C8B-B14F-4D97-AF65-F5344CB8AC3E}">
+        <p14:creationId xmlns:p14="http://schemas.microsoft.com/office/powerpoint/2010/main" val="3654827072"/>
+      </p:ext>
+    </p:extLst>
+  </p:cSld>
+  <p:clrMapOvr>
+    <a:masterClrMapping/>
+  </p:clrMapOvr>
+</p:sld>
+</file>
+
+<file path=ppt/slides/slide13.xml><?xml version="1.0" encoding="utf-8"?>
+<p:sld xmlns:a="http://schemas.openxmlformats.org/drawingml/2006/main" xmlns:r="http://schemas.openxmlformats.org/officeDocument/2006/relationships" xmlns:p="http://schemas.openxmlformats.org/presentationml/2006/main">
+  <p:cSld>
+    <p:spTree>
+      <p:nvGrpSpPr>
+        <p:cNvPr id="1" name=""/>
+        <p:cNvGrpSpPr/>
+        <p:nvPr/>
+      </p:nvGrpSpPr>
+      <p:grpSpPr>
+        <a:xfrm>
+          <a:off x="0" y="0"/>
+          <a:ext cx="0" cy="0"/>
+          <a:chOff x="0" y="0"/>
+          <a:chExt cx="0" cy="0"/>
+        </a:xfrm>
+      </p:grpSpPr>
+      <p:sp>
+        <p:nvSpPr>
+          <p:cNvPr id="2" name="Title 1">
+            <a:extLst>
+              <a:ext uri="{FF2B5EF4-FFF2-40B4-BE49-F238E27FC236}">
                 <a16:creationId xmlns:a16="http://schemas.microsoft.com/office/drawing/2014/main" id="{D7181564-A3C6-6BB2-8845-648BE7B3A7FA}"/>
               </a:ext>
             </a:extLst>
@@ -12523,7 +12800,7 @@
 </p:sld>
 </file>
 
-<file path=ppt/slides/slide11.xml><?xml version="1.0" encoding="utf-8"?>
+<file path=ppt/slides/slide14.xml><?xml version="1.0" encoding="utf-8"?>
 <p:sld xmlns:a="http://schemas.openxmlformats.org/drawingml/2006/main" xmlns:r="http://schemas.openxmlformats.org/officeDocument/2006/relationships" xmlns:p="http://schemas.openxmlformats.org/presentationml/2006/main">
   <p:cSld>
     <p:spTree>
@@ -12614,7 +12891,7 @@
 </p:sld>
 </file>
 
-<file path=ppt/slides/slide12.xml><?xml version="1.0" encoding="utf-8"?>
+<file path=ppt/slides/slide15.xml><?xml version="1.0" encoding="utf-8"?>
 <p:sld xmlns:a="http://schemas.openxmlformats.org/drawingml/2006/main" xmlns:r="http://schemas.openxmlformats.org/officeDocument/2006/relationships" xmlns:p="http://schemas.openxmlformats.org/presentationml/2006/main">
   <p:cSld>
     <p:spTree>
@@ -12705,7 +12982,7 @@
 </p:sld>
 </file>
 
-<file path=ppt/slides/slide13.xml><?xml version="1.0" encoding="utf-8"?>
+<file path=ppt/slides/slide2.xml><?xml version="1.0" encoding="utf-8"?>
 <p:sld xmlns:a="http://schemas.openxmlformats.org/drawingml/2006/main" xmlns:r="http://schemas.openxmlformats.org/officeDocument/2006/relationships" xmlns:p="http://schemas.openxmlformats.org/presentationml/2006/main">
   <p:cSld>
     <p:spTree>
@@ -12727,7 +13004,7 @@
           <p:cNvPr id="2" name="Title 1">
             <a:extLst>
               <a:ext uri="{FF2B5EF4-FFF2-40B4-BE49-F238E27FC236}">
-                <a16:creationId xmlns:a16="http://schemas.microsoft.com/office/drawing/2014/main" id="{C0E20F7E-7D48-26E7-6BF9-4DE9043EE6E8}"/>
+                <a16:creationId xmlns:a16="http://schemas.microsoft.com/office/drawing/2014/main" id="{580CB07F-1419-6B29-6B57-BA09399089C9}"/>
               </a:ext>
             </a:extLst>
           </p:cNvPr>
@@ -12745,48 +13022,114 @@
           <a:p>
             <a:r>
               <a:rPr lang="en-US" dirty="0"/>
-              <a:t>Docker container</a:t>
+              <a:t>Functional requirements</a:t>
             </a:r>
             <a:endParaRPr lang="en-SG" dirty="0"/>
           </a:p>
         </p:txBody>
       </p:sp>
-      <p:pic>
-        <p:nvPicPr>
-          <p:cNvPr id="5" name="Content Placeholder 4">
+      <p:sp>
+        <p:nvSpPr>
+          <p:cNvPr id="3" name="Content Placeholder 2">
             <a:extLst>
               <a:ext uri="{FF2B5EF4-FFF2-40B4-BE49-F238E27FC236}">
-                <a16:creationId xmlns:a16="http://schemas.microsoft.com/office/drawing/2014/main" id="{E8382DBF-F531-2986-E2D9-A6407CC9B8F6}"/>
+                <a16:creationId xmlns:a16="http://schemas.microsoft.com/office/drawing/2014/main" id="{47209CB2-362D-C6A1-E9D9-0C1ADD3886FC}"/>
               </a:ext>
             </a:extLst>
           </p:cNvPr>
-          <p:cNvPicPr>
-            <a:picLocks noGrp="1" noChangeAspect="1"/>
-          </p:cNvPicPr>
+          <p:cNvSpPr>
+            <a:spLocks noGrp="1"/>
+          </p:cNvSpPr>
           <p:nvPr>
             <p:ph idx="1"/>
           </p:nvPr>
-        </p:nvPicPr>
-        <p:blipFill>
-          <a:blip r:embed="rId2"/>
-          <a:stretch>
-            <a:fillRect/>
-          </a:stretch>
-        </p:blipFill>
+        </p:nvSpPr>
         <p:spPr>
           <a:xfrm>
-            <a:off x="1220071" y="1600558"/>
-            <a:ext cx="9536419" cy="5057475"/>
+            <a:off x="1141412" y="2249486"/>
+            <a:ext cx="9905999" cy="3836681"/>
           </a:xfrm>
-          <a:prstGeom prst="rect">
-            <a:avLst/>
-          </a:prstGeom>
         </p:spPr>
-      </p:pic>
+        <p:txBody>
+          <a:bodyPr>
+            <a:noAutofit/>
+          </a:bodyPr>
+          <a:lstStyle/>
+          <a:p>
+            <a:r>
+              <a:rPr lang="en-US" sz="1600" dirty="0"/>
+              <a:t>A Patient can request appointments by call-in.</a:t>
+            </a:r>
+          </a:p>
+          <a:p>
+            <a:r>
+              <a:rPr lang="en-US" sz="1600" dirty="0"/>
+              <a:t>A Patient can request appointment from on-line.</a:t>
+            </a:r>
+          </a:p>
+          <a:p>
+            <a:r>
+              <a:rPr lang="en-US" sz="1600" dirty="0"/>
+              <a:t>Patients can cancel or change their appointments. </a:t>
+            </a:r>
+          </a:p>
+          <a:p>
+            <a:r>
+              <a:rPr lang="en-US" sz="1600" dirty="0"/>
+              <a:t>Office Manager can book the appointment for call-in Patient.</a:t>
+            </a:r>
+          </a:p>
+          <a:p>
+            <a:r>
+              <a:rPr lang="en-US" sz="1600" dirty="0"/>
+              <a:t>Dentists can view their appointments, Patients' details.</a:t>
+            </a:r>
+          </a:p>
+          <a:p>
+            <a:r>
+              <a:rPr lang="en-US" sz="1600" dirty="0"/>
+              <a:t>Dentist cannot be given </a:t>
+            </a:r>
+            <a:r>
+              <a:rPr lang="en-US" sz="1600" b="1" dirty="0">
+                <a:solidFill>
+                  <a:srgbClr val="FF0000"/>
+                </a:solidFill>
+              </a:rPr>
+              <a:t>more than 5 appointments in any given week.</a:t>
+            </a:r>
+          </a:p>
+          <a:p>
+            <a:r>
+              <a:rPr lang="en-US" sz="1600" dirty="0"/>
+              <a:t>Patient cannot request a new appointment, if there is </a:t>
+            </a:r>
+            <a:r>
+              <a:rPr lang="en-US" sz="1600" b="1" dirty="0">
+                <a:solidFill>
+                  <a:srgbClr val="FF0000"/>
+                </a:solidFill>
+              </a:rPr>
+              <a:t>an outstanding, unpaid bill</a:t>
+            </a:r>
+            <a:r>
+              <a:rPr lang="en-US" sz="1600" dirty="0"/>
+              <a:t> for dental service</a:t>
+            </a:r>
+          </a:p>
+          <a:p>
+            <a:r>
+              <a:rPr lang="en-US" sz="1600" dirty="0"/>
+              <a:t>Appointment is at one of ADS’s surgery locations</a:t>
+            </a:r>
+            <a:endParaRPr lang="en-SG" sz="1600" dirty="0"/>
+          </a:p>
+        </p:txBody>
+      </p:sp>
     </p:spTree>
     <p:extLst>
       <p:ext uri="{BB962C8B-B14F-4D97-AF65-F5344CB8AC3E}">
-        <p14:creationId xmlns:p14="http://schemas.microsoft.com/office/powerpoint/2010/main" val="3654827072"/>
+        <p14:creationId xmlns:p14="http://schemas.microsoft.com/office/powerpoint/2010/main" val="1675571225"/>
       </p:ext>
     </p:extLst>
   </p:cSld>
@@ -12796,98 +13139,7 @@
 </p:sld>
 </file>
 
-<file path=ppt/slides/slide14.xml><?xml version="1.0" encoding="utf-8"?>
-<p:sld xmlns:a="http://schemas.openxmlformats.org/drawingml/2006/main" xmlns:r="http://schemas.openxmlformats.org/officeDocument/2006/relationships" xmlns:p="http://schemas.openxmlformats.org/presentationml/2006/main">
-  <p:cSld>
-    <p:spTree>
-      <p:nvGrpSpPr>
-        <p:cNvPr id="1" name=""/>
-        <p:cNvGrpSpPr/>
-        <p:nvPr/>
-      </p:nvGrpSpPr>
-      <p:grpSpPr>
-        <a:xfrm>
-          <a:off x="0" y="0"/>
-          <a:ext cx="0" cy="0"/>
-          <a:chOff x="0" y="0"/>
-          <a:chExt cx="0" cy="0"/>
-        </a:xfrm>
-      </p:grpSpPr>
-      <p:sp>
-        <p:nvSpPr>
-          <p:cNvPr id="2" name="Title 1">
-            <a:extLst>
-              <a:ext uri="{FF2B5EF4-FFF2-40B4-BE49-F238E27FC236}">
-                <a16:creationId xmlns:a16="http://schemas.microsoft.com/office/drawing/2014/main" id="{92BF2B40-4B1D-8498-230B-DA1D91B2C698}"/>
-              </a:ext>
-            </a:extLst>
-          </p:cNvPr>
-          <p:cNvSpPr>
-            <a:spLocks noGrp="1"/>
-          </p:cNvSpPr>
-          <p:nvPr>
-            <p:ph type="title"/>
-          </p:nvPr>
-        </p:nvSpPr>
-        <p:spPr/>
-        <p:txBody>
-          <a:bodyPr/>
-          <a:lstStyle/>
-          <a:p>
-            <a:r>
-              <a:rPr lang="en-US" dirty="0"/>
-              <a:t>Docker image</a:t>
-            </a:r>
-            <a:endParaRPr lang="en-SG" dirty="0"/>
-          </a:p>
-        </p:txBody>
-      </p:sp>
-      <p:pic>
-        <p:nvPicPr>
-          <p:cNvPr id="5" name="Content Placeholder 4">
-            <a:extLst>
-              <a:ext uri="{FF2B5EF4-FFF2-40B4-BE49-F238E27FC236}">
-                <a16:creationId xmlns:a16="http://schemas.microsoft.com/office/drawing/2014/main" id="{29BBCF24-ADB7-9D46-6AD4-13E16C8FE63F}"/>
-              </a:ext>
-            </a:extLst>
-          </p:cNvPr>
-          <p:cNvPicPr>
-            <a:picLocks noGrp="1" noChangeAspect="1"/>
-          </p:cNvPicPr>
-          <p:nvPr>
-            <p:ph idx="1"/>
-          </p:nvPr>
-        </p:nvPicPr>
-        <p:blipFill>
-          <a:blip r:embed="rId2"/>
-          <a:stretch>
-            <a:fillRect/>
-          </a:stretch>
-        </p:blipFill>
-        <p:spPr>
-          <a:xfrm>
-            <a:off x="1258590" y="1649721"/>
-            <a:ext cx="9291423" cy="4924334"/>
-          </a:xfrm>
-          <a:prstGeom prst="rect">
-            <a:avLst/>
-          </a:prstGeom>
-        </p:spPr>
-      </p:pic>
-    </p:spTree>
-    <p:extLst>
-      <p:ext uri="{BB962C8B-B14F-4D97-AF65-F5344CB8AC3E}">
-        <p14:creationId xmlns:p14="http://schemas.microsoft.com/office/powerpoint/2010/main" val="558856725"/>
-      </p:ext>
-    </p:extLst>
-  </p:cSld>
-  <p:clrMapOvr>
-    <a:masterClrMapping/>
-  </p:clrMapOvr>
-</p:sld>
-</file>
-
-<file path=ppt/slides/slide2.xml><?xml version="1.0" encoding="utf-8"?>
+<file path=ppt/slides/slide3.xml><?xml version="1.0" encoding="utf-8"?>
 <p:sld xmlns:a="http://schemas.openxmlformats.org/drawingml/2006/main" xmlns:r="http://schemas.openxmlformats.org/officeDocument/2006/relationships" xmlns:p="http://schemas.openxmlformats.org/presentationml/2006/main">
   <p:cSld>
     <p:spTree>
@@ -12975,7 +13227,7 @@
 </p:sld>
 </file>
 
-<file path=ppt/slides/slide3.xml><?xml version="1.0" encoding="utf-8"?>
+<file path=ppt/slides/slide4.xml><?xml version="1.0" encoding="utf-8"?>
 <p:sld xmlns:a="http://schemas.openxmlformats.org/drawingml/2006/main" xmlns:r="http://schemas.openxmlformats.org/officeDocument/2006/relationships" xmlns:p="http://schemas.openxmlformats.org/presentationml/2006/main">
   <p:cSld>
     <p:spTree>
@@ -13064,7 +13316,7 @@
 </p:sld>
 </file>
 
-<file path=ppt/slides/slide4.xml><?xml version="1.0" encoding="utf-8"?>
+<file path=ppt/slides/slide5.xml><?xml version="1.0" encoding="utf-8"?>
 <p:sld xmlns:a="http://schemas.openxmlformats.org/drawingml/2006/main" xmlns:r="http://schemas.openxmlformats.org/officeDocument/2006/relationships" xmlns:p="http://schemas.openxmlformats.org/presentationml/2006/main">
   <p:cSld>
     <p:spTree>
@@ -13112,10 +13364,10 @@
       </p:sp>
       <p:pic>
         <p:nvPicPr>
-          <p:cNvPr id="4" name="Content Placeholder 4">
+          <p:cNvPr id="7" name="Picture 6">
             <a:extLst>
               <a:ext uri="{FF2B5EF4-FFF2-40B4-BE49-F238E27FC236}">
-                <a16:creationId xmlns:a16="http://schemas.microsoft.com/office/drawing/2014/main" id="{2B68091F-23A2-824C-A681-E6A36DF15066}"/>
+                <a16:creationId xmlns:a16="http://schemas.microsoft.com/office/drawing/2014/main" id="{CA7E9ACB-9AA2-DA8F-4CF5-4D4513234860}"/>
               </a:ext>
             </a:extLst>
           </p:cNvPr>
@@ -13132,8 +13384,8 @@
         </p:blipFill>
         <p:spPr>
           <a:xfrm>
-            <a:off x="1291849" y="1597035"/>
-            <a:ext cx="7523640" cy="4833262"/>
+            <a:off x="1248696" y="1631584"/>
+            <a:ext cx="8436079" cy="4990442"/>
           </a:xfrm>
           <a:prstGeom prst="rect">
             <a:avLst/>
@@ -13153,7 +13405,7 @@
 </p:sld>
 </file>
 
-<file path=ppt/slides/slide5.xml><?xml version="1.0" encoding="utf-8"?>
+<file path=ppt/slides/slide6.xml><?xml version="1.0" encoding="utf-8"?>
 <p:sld xmlns:a="http://schemas.openxmlformats.org/drawingml/2006/main" xmlns:r="http://schemas.openxmlformats.org/officeDocument/2006/relationships" xmlns:p="http://schemas.openxmlformats.org/presentationml/2006/main">
   <p:cSld>
     <p:spTree>
@@ -13241,7 +13493,7 @@
 </p:sld>
 </file>
 
-<file path=ppt/slides/slide6.xml><?xml version="1.0" encoding="utf-8"?>
+<file path=ppt/slides/slide7.xml><?xml version="1.0" encoding="utf-8"?>
 <p:sld xmlns:a="http://schemas.openxmlformats.org/drawingml/2006/main" xmlns:r="http://schemas.openxmlformats.org/officeDocument/2006/relationships" xmlns:p="http://schemas.openxmlformats.org/presentationml/2006/main">
   <p:cSld>
     <p:spTree>
@@ -13328,7 +13580,7 @@
 </p:sld>
 </file>
 
-<file path=ppt/slides/slide7.xml><?xml version="1.0" encoding="utf-8"?>
+<file path=ppt/slides/slide8.xml><?xml version="1.0" encoding="utf-8"?>
 <p:sld xmlns:a="http://schemas.openxmlformats.org/drawingml/2006/main" xmlns:r="http://schemas.openxmlformats.org/officeDocument/2006/relationships" xmlns:p="http://schemas.openxmlformats.org/presentationml/2006/main">
   <p:cSld>
     <p:spTree>
@@ -13442,7 +13694,7 @@
 </p:sld>
 </file>
 
-<file path=ppt/slides/slide8.xml><?xml version="1.0" encoding="utf-8"?>
+<file path=ppt/slides/slide9.xml><?xml version="1.0" encoding="utf-8"?>
 <p:sld xmlns:a="http://schemas.openxmlformats.org/drawingml/2006/main" xmlns:r="http://schemas.openxmlformats.org/officeDocument/2006/relationships" xmlns:p="http://schemas.openxmlformats.org/presentationml/2006/main">
   <p:cSld>
     <p:spTree>
@@ -13524,95 +13776,6 @@
     <p:extLst>
       <p:ext uri="{BB962C8B-B14F-4D97-AF65-F5344CB8AC3E}">
         <p14:creationId xmlns:p14="http://schemas.microsoft.com/office/powerpoint/2010/main" val="3718265400"/>
-      </p:ext>
-    </p:extLst>
-  </p:cSld>
-  <p:clrMapOvr>
-    <a:masterClrMapping/>
-  </p:clrMapOvr>
-</p:sld>
-</file>
-
-<file path=ppt/slides/slide9.xml><?xml version="1.0" encoding="utf-8"?>
-<p:sld xmlns:a="http://schemas.openxmlformats.org/drawingml/2006/main" xmlns:r="http://schemas.openxmlformats.org/officeDocument/2006/relationships" xmlns:p="http://schemas.openxmlformats.org/presentationml/2006/main">
-  <p:cSld>
-    <p:spTree>
-      <p:nvGrpSpPr>
-        <p:cNvPr id="1" name=""/>
-        <p:cNvGrpSpPr/>
-        <p:nvPr/>
-      </p:nvGrpSpPr>
-      <p:grpSpPr>
-        <a:xfrm>
-          <a:off x="0" y="0"/>
-          <a:ext cx="0" cy="0"/>
-          <a:chOff x="0" y="0"/>
-          <a:chExt cx="0" cy="0"/>
-        </a:xfrm>
-      </p:grpSpPr>
-      <p:sp>
-        <p:nvSpPr>
-          <p:cNvPr id="2" name="Title 1">
-            <a:extLst>
-              <a:ext uri="{FF2B5EF4-FFF2-40B4-BE49-F238E27FC236}">
-                <a16:creationId xmlns:a16="http://schemas.microsoft.com/office/drawing/2014/main" id="{D8248C8D-44E0-60DE-DB87-A10A9C4E3A1A}"/>
-              </a:ext>
-            </a:extLst>
-          </p:cNvPr>
-          <p:cNvSpPr>
-            <a:spLocks noGrp="1"/>
-          </p:cNvSpPr>
-          <p:nvPr>
-            <p:ph type="title"/>
-          </p:nvPr>
-        </p:nvSpPr>
-        <p:spPr/>
-        <p:txBody>
-          <a:bodyPr/>
-          <a:lstStyle/>
-          <a:p>
-            <a:r>
-              <a:rPr lang="en-US" dirty="0"/>
-              <a:t>Patient’s DASHBOARD</a:t>
-            </a:r>
-            <a:endParaRPr lang="en-SG" dirty="0"/>
-          </a:p>
-        </p:txBody>
-      </p:sp>
-      <p:pic>
-        <p:nvPicPr>
-          <p:cNvPr id="5" name="Picture 4">
-            <a:extLst>
-              <a:ext uri="{FF2B5EF4-FFF2-40B4-BE49-F238E27FC236}">
-                <a16:creationId xmlns:a16="http://schemas.microsoft.com/office/drawing/2014/main" id="{634595AA-C808-986F-617F-19FDD1B559BA}"/>
-              </a:ext>
-            </a:extLst>
-          </p:cNvPr>
-          <p:cNvPicPr>
-            <a:picLocks noChangeAspect="1"/>
-          </p:cNvPicPr>
-          <p:nvPr/>
-        </p:nvPicPr>
-        <p:blipFill>
-          <a:blip r:embed="rId2"/>
-          <a:stretch>
-            <a:fillRect/>
-          </a:stretch>
-        </p:blipFill>
-        <p:spPr>
-          <a:xfrm>
-            <a:off x="1668422" y="2249487"/>
-            <a:ext cx="8851977" cy="4365991"/>
-          </a:xfrm>
-          <a:prstGeom prst="rect">
-            <a:avLst/>
-          </a:prstGeom>
-        </p:spPr>
-      </p:pic>
-    </p:spTree>
-    <p:extLst>
-      <p:ext uri="{BB962C8B-B14F-4D97-AF65-F5344CB8AC3E}">
-        <p14:creationId xmlns:p14="http://schemas.microsoft.com/office/powerpoint/2010/main" val="1306761867"/>
       </p:ext>
     </p:extLst>
   </p:cSld>
